--- a/Materialien/Powerpoint/Einführung in Funktionen.pptx
+++ b/Materialien/Powerpoint/Einführung in Funktionen.pptx
@@ -118,8 +118,7 @@
 <file path=ppt/revisionInfo.xml><?xml version="1.0" encoding="utf-8"?>
 <p1510:revInfo xmlns:a="http://schemas.openxmlformats.org/drawingml/2006/main" xmlns:r="http://schemas.openxmlformats.org/officeDocument/2006/relationships" xmlns:p1510="http://schemas.microsoft.com/office/powerpoint/2015/10/main">
   <p1510:revLst>
-    <p1510:client id="{7943B4D3-F9F6-4054-91F8-B83B6C017666}" v="252" dt="2021-07-04T13:35:13.711"/>
-    <p1510:client id="{BE1DB9F4-E304-4C37-970B-A53B13E8E1BC}" v="507" dt="2021-07-04T21:08:21.923"/>
+    <p1510:client id="{3463DE3F-109F-4A8E-AD2B-568A5C0EC149}" v="4" dt="2021-07-20T19:37:49.124"/>
   </p1510:revLst>
 </p1510:revInfo>
 </file>
@@ -298,6 +297,75 @@
       </pc:sldChg>
     </pc:docChg>
   </pc:docChgLst>
+  <pc:docChgLst>
+    <pc:chgData name="Sebastian Meine" userId="f54488a2a6b7dc9e" providerId="LiveId" clId="{3463DE3F-109F-4A8E-AD2B-568A5C0EC149}"/>
+    <pc:docChg chg="custSel modSld">
+      <pc:chgData name="Sebastian Meine" userId="f54488a2a6b7dc9e" providerId="LiveId" clId="{3463DE3F-109F-4A8E-AD2B-568A5C0EC149}" dt="2021-07-20T19:38:00.434" v="9"/>
+      <pc:docMkLst>
+        <pc:docMk/>
+      </pc:docMkLst>
+      <pc:sldChg chg="modSp">
+        <pc:chgData name="Sebastian Meine" userId="f54488a2a6b7dc9e" providerId="LiveId" clId="{3463DE3F-109F-4A8E-AD2B-568A5C0EC149}" dt="2021-07-20T19:37:49.124" v="3" actId="6549"/>
+        <pc:sldMkLst>
+          <pc:docMk/>
+          <pc:sldMk cId="238189655" sldId="256"/>
+        </pc:sldMkLst>
+        <pc:spChg chg="mod">
+          <ac:chgData name="Sebastian Meine" userId="f54488a2a6b7dc9e" providerId="LiveId" clId="{3463DE3F-109F-4A8E-AD2B-568A5C0EC149}" dt="2021-07-20T19:37:49.124" v="3" actId="6549"/>
+          <ac:spMkLst>
+            <pc:docMk/>
+            <pc:sldMk cId="238189655" sldId="256"/>
+            <ac:spMk id="2" creationId="{87B2046A-71C6-4A5C-90F4-24A921FBE6F2}"/>
+          </ac:spMkLst>
+        </pc:spChg>
+      </pc:sldChg>
+      <pc:sldChg chg="modSp mod">
+        <pc:chgData name="Sebastian Meine" userId="f54488a2a6b7dc9e" providerId="LiveId" clId="{3463DE3F-109F-4A8E-AD2B-568A5C0EC149}" dt="2021-07-20T19:37:56.333" v="7" actId="20577"/>
+        <pc:sldMkLst>
+          <pc:docMk/>
+          <pc:sldMk cId="2109793123" sldId="258"/>
+        </pc:sldMkLst>
+        <pc:spChg chg="mod">
+          <ac:chgData name="Sebastian Meine" userId="f54488a2a6b7dc9e" providerId="LiveId" clId="{3463DE3F-109F-4A8E-AD2B-568A5C0EC149}" dt="2021-07-20T19:37:56.333" v="7" actId="20577"/>
+          <ac:spMkLst>
+            <pc:docMk/>
+            <pc:sldMk cId="2109793123" sldId="258"/>
+            <ac:spMk id="8" creationId="{6833897F-8945-43C1-8EE1-2E83FF8331D9}"/>
+          </ac:spMkLst>
+        </pc:spChg>
+      </pc:sldChg>
+      <pc:sldChg chg="modSp mod">
+        <pc:chgData name="Sebastian Meine" userId="f54488a2a6b7dc9e" providerId="LiveId" clId="{3463DE3F-109F-4A8E-AD2B-568A5C0EC149}" dt="2021-07-20T19:38:00.434" v="9"/>
+        <pc:sldMkLst>
+          <pc:docMk/>
+          <pc:sldMk cId="583026924" sldId="259"/>
+        </pc:sldMkLst>
+        <pc:spChg chg="mod">
+          <ac:chgData name="Sebastian Meine" userId="f54488a2a6b7dc9e" providerId="LiveId" clId="{3463DE3F-109F-4A8E-AD2B-568A5C0EC149}" dt="2021-07-20T19:38:00.434" v="9"/>
+          <ac:spMkLst>
+            <pc:docMk/>
+            <pc:sldMk cId="583026924" sldId="259"/>
+            <ac:spMk id="8" creationId="{3B4D951D-CFCF-46C6-91EB-50913F6DFC4D}"/>
+          </ac:spMkLst>
+        </pc:spChg>
+      </pc:sldChg>
+      <pc:sldChg chg="modSp mod">
+        <pc:chgData name="Sebastian Meine" userId="f54488a2a6b7dc9e" providerId="LiveId" clId="{3463DE3F-109F-4A8E-AD2B-568A5C0EC149}" dt="2021-07-20T19:37:58.459" v="8"/>
+        <pc:sldMkLst>
+          <pc:docMk/>
+          <pc:sldMk cId="2205865153" sldId="260"/>
+        </pc:sldMkLst>
+        <pc:spChg chg="mod">
+          <ac:chgData name="Sebastian Meine" userId="f54488a2a6b7dc9e" providerId="LiveId" clId="{3463DE3F-109F-4A8E-AD2B-568A5C0EC149}" dt="2021-07-20T19:37:58.459" v="8"/>
+          <ac:spMkLst>
+            <pc:docMk/>
+            <pc:sldMk cId="2205865153" sldId="260"/>
+            <ac:spMk id="8" creationId="{6833897F-8945-43C1-8EE1-2E83FF8331D9}"/>
+          </ac:spMkLst>
+        </pc:spChg>
+      </pc:sldChg>
+    </pc:docChg>
+  </pc:docChgLst>
 </pc:chgInfo>
 </file>
 
@@ -497,7 +565,7 @@
           <a:p>
             <a:fld id="{D4AD37E9-5A10-49A7-855D-CAA2D2E848B6}" type="datetimeFigureOut">
               <a:rPr lang="de-DE" smtClean="0"/>
-              <a:t>04.07.2021</a:t>
+              <a:t>20.07.2021</a:t>
             </a:fld>
             <a:endParaRPr lang="de-DE"/>
           </a:p>
@@ -778,7 +846,7 @@
           <a:p>
             <a:fld id="{D4AD37E9-5A10-49A7-855D-CAA2D2E848B6}" type="datetimeFigureOut">
               <a:rPr lang="de-DE" smtClean="0"/>
-              <a:t>04.07.2021</a:t>
+              <a:t>20.07.2021</a:t>
             </a:fld>
             <a:endParaRPr lang="de-DE"/>
           </a:p>
@@ -970,7 +1038,7 @@
           <a:p>
             <a:fld id="{D4AD37E9-5A10-49A7-855D-CAA2D2E848B6}" type="datetimeFigureOut">
               <a:rPr lang="de-DE" smtClean="0"/>
-              <a:t>04.07.2021</a:t>
+              <a:t>20.07.2021</a:t>
             </a:fld>
             <a:endParaRPr lang="de-DE"/>
           </a:p>
@@ -1231,7 +1299,7 @@
           <a:p>
             <a:fld id="{D4AD37E9-5A10-49A7-855D-CAA2D2E848B6}" type="datetimeFigureOut">
               <a:rPr lang="de-DE" smtClean="0"/>
-              <a:t>04.07.2021</a:t>
+              <a:t>20.07.2021</a:t>
             </a:fld>
             <a:endParaRPr lang="de-DE"/>
           </a:p>
@@ -1657,7 +1725,7 @@
           <a:p>
             <a:fld id="{D4AD37E9-5A10-49A7-855D-CAA2D2E848B6}" type="datetimeFigureOut">
               <a:rPr lang="de-DE" smtClean="0"/>
-              <a:t>04.07.2021</a:t>
+              <a:t>20.07.2021</a:t>
             </a:fld>
             <a:endParaRPr lang="de-DE"/>
           </a:p>
@@ -2203,7 +2271,7 @@
           <a:p>
             <a:fld id="{D4AD37E9-5A10-49A7-855D-CAA2D2E848B6}" type="datetimeFigureOut">
               <a:rPr lang="de-DE" smtClean="0"/>
-              <a:t>04.07.2021</a:t>
+              <a:t>20.07.2021</a:t>
             </a:fld>
             <a:endParaRPr lang="de-DE"/>
           </a:p>
@@ -3034,7 +3102,7 @@
           <a:p>
             <a:fld id="{D4AD37E9-5A10-49A7-855D-CAA2D2E848B6}" type="datetimeFigureOut">
               <a:rPr lang="de-DE" smtClean="0"/>
-              <a:t>04.07.2021</a:t>
+              <a:t>20.07.2021</a:t>
             </a:fld>
             <a:endParaRPr lang="de-DE"/>
           </a:p>
@@ -3204,7 +3272,7 @@
           <a:p>
             <a:fld id="{D4AD37E9-5A10-49A7-855D-CAA2D2E848B6}" type="datetimeFigureOut">
               <a:rPr lang="de-DE" smtClean="0"/>
-              <a:t>04.07.2021</a:t>
+              <a:t>20.07.2021</a:t>
             </a:fld>
             <a:endParaRPr lang="de-DE"/>
           </a:p>
@@ -3384,7 +3452,7 @@
           <a:p>
             <a:fld id="{D4AD37E9-5A10-49A7-855D-CAA2D2E848B6}" type="datetimeFigureOut">
               <a:rPr lang="de-DE" smtClean="0"/>
-              <a:t>04.07.2021</a:t>
+              <a:t>20.07.2021</a:t>
             </a:fld>
             <a:endParaRPr lang="de-DE"/>
           </a:p>
@@ -3554,7 +3622,7 @@
           <a:p>
             <a:fld id="{D4AD37E9-5A10-49A7-855D-CAA2D2E848B6}" type="datetimeFigureOut">
               <a:rPr lang="de-DE" smtClean="0"/>
-              <a:t>04.07.2021</a:t>
+              <a:t>20.07.2021</a:t>
             </a:fld>
             <a:endParaRPr lang="de-DE"/>
           </a:p>
@@ -3811,7 +3879,7 @@
           <a:p>
             <a:fld id="{D4AD37E9-5A10-49A7-855D-CAA2D2E848B6}" type="datetimeFigureOut">
               <a:rPr lang="de-DE" smtClean="0"/>
-              <a:t>04.07.2021</a:t>
+              <a:t>20.07.2021</a:t>
             </a:fld>
             <a:endParaRPr lang="de-DE"/>
           </a:p>
@@ -4043,7 +4111,7 @@
           <a:p>
             <a:fld id="{D4AD37E9-5A10-49A7-855D-CAA2D2E848B6}" type="datetimeFigureOut">
               <a:rPr lang="de-DE" smtClean="0"/>
-              <a:t>04.07.2021</a:t>
+              <a:t>20.07.2021</a:t>
             </a:fld>
             <a:endParaRPr lang="de-DE"/>
           </a:p>
@@ -4436,7 +4504,7 @@
           <a:p>
             <a:fld id="{D4AD37E9-5A10-49A7-855D-CAA2D2E848B6}" type="datetimeFigureOut">
               <a:rPr lang="de-DE" smtClean="0"/>
-              <a:t>04.07.2021</a:t>
+              <a:t>20.07.2021</a:t>
             </a:fld>
             <a:endParaRPr lang="de-DE"/>
           </a:p>
@@ -4554,7 +4622,7 @@
           <a:p>
             <a:fld id="{D4AD37E9-5A10-49A7-855D-CAA2D2E848B6}" type="datetimeFigureOut">
               <a:rPr lang="de-DE" smtClean="0"/>
-              <a:t>04.07.2021</a:t>
+              <a:t>20.07.2021</a:t>
             </a:fld>
             <a:endParaRPr lang="de-DE"/>
           </a:p>
@@ -4649,7 +4717,7 @@
           <a:p>
             <a:fld id="{D4AD37E9-5A10-49A7-855D-CAA2D2E848B6}" type="datetimeFigureOut">
               <a:rPr lang="de-DE" smtClean="0"/>
-              <a:t>04.07.2021</a:t>
+              <a:t>20.07.2021</a:t>
             </a:fld>
             <a:endParaRPr lang="de-DE"/>
           </a:p>
@@ -4922,7 +4990,7 @@
           <a:p>
             <a:fld id="{D4AD37E9-5A10-49A7-855D-CAA2D2E848B6}" type="datetimeFigureOut">
               <a:rPr lang="de-DE" smtClean="0"/>
-              <a:t>04.07.2021</a:t>
+              <a:t>20.07.2021</a:t>
             </a:fld>
             <a:endParaRPr lang="de-DE"/>
           </a:p>
@@ -5203,7 +5271,7 @@
           <a:p>
             <a:fld id="{D4AD37E9-5A10-49A7-855D-CAA2D2E848B6}" type="datetimeFigureOut">
               <a:rPr lang="de-DE" smtClean="0"/>
-              <a:t>04.07.2021</a:t>
+              <a:t>20.07.2021</a:t>
             </a:fld>
             <a:endParaRPr lang="de-DE"/>
           </a:p>
@@ -5443,7 +5511,7 @@
           <a:p>
             <a:fld id="{D4AD37E9-5A10-49A7-855D-CAA2D2E848B6}" type="datetimeFigureOut">
               <a:rPr lang="de-DE" smtClean="0"/>
-              <a:t>04.07.2021</a:t>
+              <a:t>20.07.2021</a:t>
             </a:fld>
             <a:endParaRPr lang="de-DE"/>
           </a:p>
@@ -6051,7 +6119,7 @@
                   </a:schemeClr>
                 </a:solidFill>
               </a:rPr>
-              <a:t>Einführung in Funktionen </a:t>
+              <a:t>Funktionen </a:t>
             </a:r>
           </a:p>
         </p:txBody>
@@ -6119,7 +6187,7 @@
           <a:p>
             <a:fld id="{D4AD37E9-5A10-49A7-855D-CAA2D2E848B6}" type="datetimeFigureOut">
               <a:rPr lang="de-DE" smtClean="0"/>
-              <a:t>04.07.2021</a:t>
+              <a:t>20.07.2021</a:t>
             </a:fld>
             <a:endParaRPr lang="de-DE"/>
           </a:p>
@@ -6668,7 +6736,7 @@
           <a:p>
             <a:fld id="{D4AD37E9-5A10-49A7-855D-CAA2D2E848B6}" type="datetimeFigureOut">
               <a:rPr lang="de-DE" smtClean="0"/>
-              <a:t>04.07.2021</a:t>
+              <a:t>20.07.2021</a:t>
             </a:fld>
             <a:endParaRPr lang="de-DE"/>
           </a:p>
@@ -6701,92 +6769,14 @@
           <a:lstStyle/>
           <a:p>
             <a:r>
-              <a:rPr lang="en-US" sz="1200" dirty="0" err="1">
+              <a:rPr lang="de-DE" sz="1200" dirty="0">
                 <a:solidFill>
                   <a:schemeClr val="tx1">
                     <a:lumMod val="95000"/>
                   </a:schemeClr>
                 </a:solidFill>
-                <a:latin typeface="+mj-lt"/>
-              </a:rPr>
-              <a:t>Wieso</a:t>
-            </a:r>
-            <a:r>
-              <a:rPr lang="en-US" sz="1200" dirty="0">
-                <a:solidFill>
-                  <a:schemeClr val="tx1">
-                    <a:lumMod val="95000"/>
-                  </a:schemeClr>
-                </a:solidFill>
-                <a:latin typeface="+mj-lt"/>
-              </a:rPr>
-              <a:t> </a:t>
-            </a:r>
-            <a:r>
-              <a:rPr lang="en-US" sz="1200" dirty="0" err="1">
-                <a:solidFill>
-                  <a:schemeClr val="tx1">
-                    <a:lumMod val="95000"/>
-                  </a:schemeClr>
-                </a:solidFill>
-                <a:latin typeface="+mj-lt"/>
-              </a:rPr>
-              <a:t>brauchen</a:t>
-            </a:r>
-            <a:r>
-              <a:rPr lang="en-US" sz="1200" dirty="0">
-                <a:solidFill>
-                  <a:schemeClr val="tx1">
-                    <a:lumMod val="95000"/>
-                  </a:schemeClr>
-                </a:solidFill>
-                <a:latin typeface="+mj-lt"/>
-              </a:rPr>
-              <a:t> </a:t>
-            </a:r>
-            <a:r>
-              <a:rPr lang="en-US" sz="1200" dirty="0" err="1">
-                <a:solidFill>
-                  <a:schemeClr val="tx1">
-                    <a:lumMod val="95000"/>
-                  </a:schemeClr>
-                </a:solidFill>
-                <a:latin typeface="+mj-lt"/>
-              </a:rPr>
-              <a:t>wir</a:t>
-            </a:r>
-            <a:r>
-              <a:rPr lang="en-US" sz="1200" dirty="0">
-                <a:solidFill>
-                  <a:schemeClr val="tx1">
-                    <a:lumMod val="95000"/>
-                  </a:schemeClr>
-                </a:solidFill>
-                <a:latin typeface="+mj-lt"/>
-              </a:rPr>
-              <a:t> </a:t>
-            </a:r>
-            <a:r>
-              <a:rPr lang="en-US" sz="1200" dirty="0" err="1">
-                <a:solidFill>
-                  <a:schemeClr val="tx1">
-                    <a:lumMod val="95000"/>
-                  </a:schemeClr>
-                </a:solidFill>
-                <a:latin typeface="+mj-lt"/>
               </a:rPr>
               <a:t>Funktionen</a:t>
-            </a:r>
-            <a:r>
-              <a:rPr lang="en-US" sz="1200" dirty="0">
-                <a:solidFill>
-                  <a:schemeClr val="tx1">
-                    <a:lumMod val="95000"/>
-                  </a:schemeClr>
-                </a:solidFill>
-                <a:latin typeface="+mj-lt"/>
-              </a:rPr>
-              <a:t> ?</a:t>
             </a:r>
           </a:p>
         </p:txBody>
@@ -7302,7 +7292,7 @@
           <a:p>
             <a:fld id="{D4AD37E9-5A10-49A7-855D-CAA2D2E848B6}" type="datetimeFigureOut">
               <a:rPr lang="de-DE" smtClean="0"/>
-              <a:t>04.07.2021</a:t>
+              <a:t>20.07.2021</a:t>
             </a:fld>
             <a:endParaRPr lang="de-DE"/>
           </a:p>
@@ -7335,93 +7325,23 @@
           <a:lstStyle/>
           <a:p>
             <a:r>
-              <a:rPr lang="en-US" sz="1200" dirty="0" err="1">
+              <a:rPr lang="de-DE" sz="1200" dirty="0">
                 <a:solidFill>
                   <a:schemeClr val="tx1">
                     <a:lumMod val="95000"/>
                   </a:schemeClr>
                 </a:solidFill>
-                <a:latin typeface="+mj-lt"/>
               </a:rPr>
-              <a:t>Wieso</a:t>
-            </a:r>
-            <a:r>
-              <a:rPr lang="en-US" sz="1200" dirty="0">
-                <a:solidFill>
-                  <a:schemeClr val="tx1">
-                    <a:lumMod val="95000"/>
-                  </a:schemeClr>
-                </a:solidFill>
-                <a:latin typeface="+mj-lt"/>
-              </a:rPr>
-              <a:t> </a:t>
-            </a:r>
-            <a:r>
-              <a:rPr lang="en-US" sz="1200" dirty="0" err="1">
-                <a:solidFill>
-                  <a:schemeClr val="tx1">
-                    <a:lumMod val="95000"/>
-                  </a:schemeClr>
-                </a:solidFill>
-                <a:latin typeface="+mj-lt"/>
-              </a:rPr>
-              <a:t>brauchen</a:t>
-            </a:r>
-            <a:r>
-              <a:rPr lang="en-US" sz="1200" dirty="0">
-                <a:solidFill>
-                  <a:schemeClr val="tx1">
-                    <a:lumMod val="95000"/>
-                  </a:schemeClr>
-                </a:solidFill>
-                <a:latin typeface="+mj-lt"/>
-              </a:rPr>
-              <a:t> </a:t>
-            </a:r>
-            <a:r>
-              <a:rPr lang="en-US" sz="1200" dirty="0" err="1">
-                <a:solidFill>
-                  <a:schemeClr val="tx1">
-                    <a:lumMod val="95000"/>
-                  </a:schemeClr>
-                </a:solidFill>
-                <a:latin typeface="+mj-lt"/>
-              </a:rPr>
-              <a:t>wir</a:t>
-            </a:r>
-            <a:r>
-              <a:rPr lang="en-US" sz="1200" dirty="0">
-                <a:solidFill>
-                  <a:schemeClr val="tx1">
-                    <a:lumMod val="95000"/>
-                  </a:schemeClr>
-                </a:solidFill>
-                <a:latin typeface="+mj-lt"/>
-              </a:rPr>
-              <a:t> </a:t>
-            </a:r>
-            <a:r>
-              <a:rPr lang="en-US" sz="1200" dirty="0" err="1">
-                <a:solidFill>
-                  <a:schemeClr val="tx1">
-                    <a:lumMod val="95000"/>
-                  </a:schemeClr>
-                </a:solidFill>
-                <a:latin typeface="+mj-lt"/>
-              </a:rPr>
-              <a:t>Funktionen</a:t>
-            </a:r>
-            <a:r>
-              <a:rPr lang="en-US" sz="1200" dirty="0">
-                <a:solidFill>
-                  <a:schemeClr val="tx1">
-                    <a:lumMod val="95000"/>
-                  </a:schemeClr>
-                </a:solidFill>
-                <a:latin typeface="+mj-lt"/>
-              </a:rPr>
-              <a:t> ?</a:t>
-            </a:r>
+              <a:t>Funktionen </a:t>
+            </a:r>
+            <a:endParaRPr lang="en-US" sz="1200" dirty="0">
+              <a:solidFill>
+                <a:schemeClr val="tx1">
+                  <a:lumMod val="95000"/>
+                </a:schemeClr>
+              </a:solidFill>
+              <a:latin typeface="+mj-lt"/>
+            </a:endParaRPr>
           </a:p>
         </p:txBody>
       </p:sp>
@@ -8144,7 +8064,7 @@
           <a:p>
             <a:fld id="{D4AD37E9-5A10-49A7-855D-CAA2D2E848B6}" type="datetimeFigureOut">
               <a:rPr lang="de-DE" smtClean="0"/>
-              <a:t>04.07.2021</a:t>
+              <a:t>20.07.2021</a:t>
             </a:fld>
             <a:endParaRPr lang="de-DE"/>
           </a:p>
@@ -8177,93 +8097,23 @@
           <a:lstStyle/>
           <a:p>
             <a:r>
-              <a:rPr lang="en-US" sz="1200" dirty="0" err="1">
+              <a:rPr lang="de-DE" sz="1200" dirty="0">
                 <a:solidFill>
                   <a:schemeClr val="tx1">
                     <a:lumMod val="95000"/>
                   </a:schemeClr>
                 </a:solidFill>
-                <a:latin typeface="+mj-lt"/>
               </a:rPr>
-              <a:t>Wieso</a:t>
-            </a:r>
-            <a:r>
-              <a:rPr lang="en-US" sz="1200" dirty="0">
-                <a:solidFill>
-                  <a:schemeClr val="tx1">
-                    <a:lumMod val="95000"/>
-                  </a:schemeClr>
-                </a:solidFill>
-                <a:latin typeface="+mj-lt"/>
-              </a:rPr>
-              <a:t> </a:t>
-            </a:r>
-            <a:r>
-              <a:rPr lang="en-US" sz="1200" dirty="0" err="1">
-                <a:solidFill>
-                  <a:schemeClr val="tx1">
-                    <a:lumMod val="95000"/>
-                  </a:schemeClr>
-                </a:solidFill>
-                <a:latin typeface="+mj-lt"/>
-              </a:rPr>
-              <a:t>brauchen</a:t>
-            </a:r>
-            <a:r>
-              <a:rPr lang="en-US" sz="1200" dirty="0">
-                <a:solidFill>
-                  <a:schemeClr val="tx1">
-                    <a:lumMod val="95000"/>
-                  </a:schemeClr>
-                </a:solidFill>
-                <a:latin typeface="+mj-lt"/>
-              </a:rPr>
-              <a:t> </a:t>
-            </a:r>
-            <a:r>
-              <a:rPr lang="en-US" sz="1200" dirty="0" err="1">
-                <a:solidFill>
-                  <a:schemeClr val="tx1">
-                    <a:lumMod val="95000"/>
-                  </a:schemeClr>
-                </a:solidFill>
-                <a:latin typeface="+mj-lt"/>
-              </a:rPr>
-              <a:t>wir</a:t>
-            </a:r>
-            <a:r>
-              <a:rPr lang="en-US" sz="1200" dirty="0">
-                <a:solidFill>
-                  <a:schemeClr val="tx1">
-                    <a:lumMod val="95000"/>
-                  </a:schemeClr>
-                </a:solidFill>
-                <a:latin typeface="+mj-lt"/>
-              </a:rPr>
-              <a:t> </a:t>
-            </a:r>
-            <a:r>
-              <a:rPr lang="en-US" sz="1200" dirty="0" err="1">
-                <a:solidFill>
-                  <a:schemeClr val="tx1">
-                    <a:lumMod val="95000"/>
-                  </a:schemeClr>
-                </a:solidFill>
-                <a:latin typeface="+mj-lt"/>
-              </a:rPr>
-              <a:t>Funktionen</a:t>
-            </a:r>
-            <a:r>
-              <a:rPr lang="en-US" sz="1200" dirty="0">
-                <a:solidFill>
-                  <a:schemeClr val="tx1">
-                    <a:lumMod val="95000"/>
-                  </a:schemeClr>
-                </a:solidFill>
-                <a:latin typeface="+mj-lt"/>
-              </a:rPr>
-              <a:t> ?</a:t>
-            </a:r>
+              <a:t>Funktionen </a:t>
+            </a:r>
+            <a:endParaRPr lang="en-US" sz="1200" dirty="0">
+              <a:solidFill>
+                <a:schemeClr val="tx1">
+                  <a:lumMod val="95000"/>
+                </a:schemeClr>
+              </a:solidFill>
+              <a:latin typeface="+mj-lt"/>
+            </a:endParaRPr>
           </a:p>
         </p:txBody>
       </p:sp>
